--- a/Introduction to R.pptx
+++ b/Introduction to R.pptx
@@ -353,7 +353,7 @@
           <a:p>
             <a:fld id="{3B1994AF-D40F-C049-8F53-8999E12B5AB7}" type="datetimeFigureOut">
               <a:rPr lang="en-US" smtClean="0"/>
-              <a:t>12/5/2022</a:t>
+              <a:t>12/11/2022</a:t>
             </a:fld>
             <a:endParaRPr lang="en-US"/>
           </a:p>
@@ -5606,11 +5606,70 @@
             <p:ph idx="1"/>
           </p:nvPr>
         </p:nvSpPr>
-        <p:spPr/>
+        <p:spPr>
+          <a:xfrm>
+            <a:off x="574099" y="1359095"/>
+            <a:ext cx="7995802" cy="4351338"/>
+          </a:xfrm>
+        </p:spPr>
         <p:txBody>
           <a:bodyPr/>
           <a:lstStyle/>
           <a:p>
+            <a:pPr marL="0" indent="0">
+              <a:buNone/>
+            </a:pPr>
+            <a:r>
+              <a:rPr lang="en-US" dirty="0"/>
+              <a:t>PART 1</a:t>
+            </a:r>
+          </a:p>
+          <a:p>
+            <a:r>
+              <a:rPr lang="en-US" dirty="0"/>
+              <a:t>Installing R, </a:t>
+            </a:r>
+            <a:r>
+              <a:rPr lang="en-US" dirty="0" err="1"/>
+              <a:t>Rstudio</a:t>
+            </a:r>
+            <a:r>
+              <a:rPr lang="en-US" dirty="0"/>
+              <a:t>, </a:t>
+            </a:r>
+            <a:r>
+              <a:rPr lang="en-US" dirty="0" err="1"/>
+              <a:t>Mplus</a:t>
+            </a:r>
+            <a:endParaRPr lang="en-US" dirty="0"/>
+          </a:p>
+          <a:p>
+            <a:r>
+              <a:rPr lang="en-US" dirty="0"/>
+              <a:t>Overview of </a:t>
+            </a:r>
+            <a:r>
+              <a:rPr lang="en-US" dirty="0" err="1"/>
+              <a:t>Rstudio’s</a:t>
+            </a:r>
+            <a:r>
+              <a:rPr lang="en-US" dirty="0"/>
+              <a:t> Interface</a:t>
+            </a:r>
+          </a:p>
+          <a:p>
+            <a:endParaRPr lang="en-US" dirty="0"/>
+          </a:p>
+          <a:p>
+            <a:pPr marL="0" indent="0">
+              <a:buNone/>
+            </a:pPr>
+            <a:r>
+              <a:rPr lang="en-US" dirty="0"/>
+              <a:t>PART 2</a:t>
+            </a:r>
+          </a:p>
+          <a:p>
             <a:r>
               <a:rPr lang="en-US" dirty="0"/>
               <a:t>Creating R Project (.</a:t>
@@ -5636,6 +5695,18 @@
             <a:r>
               <a:rPr lang="en-US" dirty="0"/>
               <a:t>R packages</a:t>
+            </a:r>
+          </a:p>
+          <a:p>
+            <a:endParaRPr lang="en-US" dirty="0"/>
+          </a:p>
+          <a:p>
+            <a:pPr marL="0" indent="0">
+              <a:buNone/>
+            </a:pPr>
+            <a:r>
+              <a:rPr lang="en-US" dirty="0"/>
+              <a:t>PART 3</a:t>
             </a:r>
           </a:p>
           <a:p>

--- a/Introduction to R.pptx
+++ b/Introduction to R.pptx
@@ -5,15 +5,18 @@
     <p:sldMasterId id="2147483648" r:id="rId1"/>
   </p:sldMasterIdLst>
   <p:notesMasterIdLst>
-    <p:notesMasterId r:id="rId5"/>
+    <p:notesMasterId r:id="rId8"/>
   </p:notesMasterIdLst>
   <p:handoutMasterIdLst>
-    <p:handoutMasterId r:id="rId6"/>
+    <p:handoutMasterId r:id="rId9"/>
   </p:handoutMasterIdLst>
   <p:sldIdLst>
     <p:sldId id="256" r:id="rId2"/>
     <p:sldId id="257" r:id="rId3"/>
-    <p:sldId id="262" r:id="rId4"/>
+    <p:sldId id="263" r:id="rId4"/>
+    <p:sldId id="264" r:id="rId5"/>
+    <p:sldId id="265" r:id="rId6"/>
+    <p:sldId id="262" r:id="rId7"/>
   </p:sldIdLst>
   <p:sldSz cx="9144000" cy="6858000" type="screen4x3"/>
   <p:notesSz cx="6858000" cy="9144000"/>
@@ -353,7 +356,7 @@
           <a:p>
             <a:fld id="{3B1994AF-D40F-C049-8F53-8999E12B5AB7}" type="datetimeFigureOut">
               <a:rPr lang="en-US" smtClean="0"/>
-              <a:t>12/11/2022</a:t>
+              <a:t>12/16/2022</a:t>
             </a:fld>
             <a:endParaRPr lang="en-US"/>
           </a:p>
@@ -5613,7 +5616,9 @@
           </a:xfrm>
         </p:spPr>
         <p:txBody>
-          <a:bodyPr/>
+          <a:bodyPr>
+            <a:normAutofit lnSpcReduction="10000"/>
+          </a:bodyPr>
           <a:lstStyle/>
           <a:p>
             <a:pPr marL="0" indent="0">
@@ -5719,6 +5724,12 @@
             <a:r>
               <a:rPr lang="en-US" dirty="0"/>
               <a:t>Some data screening and cleaning</a:t>
+            </a:r>
+          </a:p>
+          <a:p>
+            <a:r>
+              <a:rPr lang="en-US" dirty="0"/>
+              <a:t>Descriptive statistics </a:t>
             </a:r>
           </a:p>
         </p:txBody>
@@ -5737,6 +5748,264 @@
 </file>
 
 <file path=ppt/slides/slide3.xml><?xml version="1.0" encoding="utf-8"?>
+<p:sld xmlns:a="http://schemas.openxmlformats.org/drawingml/2006/main" xmlns:r="http://schemas.openxmlformats.org/officeDocument/2006/relationships" xmlns:p="http://schemas.openxmlformats.org/presentationml/2006/main">
+  <p:cSld>
+    <p:spTree>
+      <p:nvGrpSpPr>
+        <p:cNvPr id="1" name=""/>
+        <p:cNvGrpSpPr/>
+        <p:nvPr/>
+      </p:nvGrpSpPr>
+      <p:grpSpPr>
+        <a:xfrm>
+          <a:off x="0" y="0"/>
+          <a:ext cx="0" cy="0"/>
+          <a:chOff x="0" y="0"/>
+          <a:chExt cx="0" cy="0"/>
+        </a:xfrm>
+      </p:grpSpPr>
+      <p:sp>
+        <p:nvSpPr>
+          <p:cNvPr id="8" name="Title 7">
+            <a:extLst>
+              <a:ext uri="{FF2B5EF4-FFF2-40B4-BE49-F238E27FC236}">
+                <a16:creationId xmlns:a16="http://schemas.microsoft.com/office/drawing/2014/main" id="{C11019C7-80C5-49B0-B0B5-DB0DDFB82C3F}"/>
+              </a:ext>
+            </a:extLst>
+          </p:cNvPr>
+          <p:cNvSpPr>
+            <a:spLocks noGrp="1"/>
+          </p:cNvSpPr>
+          <p:nvPr>
+            <p:ph type="title"/>
+          </p:nvPr>
+        </p:nvSpPr>
+        <p:spPr/>
+        <p:txBody>
+          <a:bodyPr/>
+          <a:lstStyle/>
+          <a:p>
+            <a:r>
+              <a:rPr lang="en-US" dirty="0"/>
+              <a:t>PART 1</a:t>
+            </a:r>
+          </a:p>
+        </p:txBody>
+      </p:sp>
+      <p:sp>
+        <p:nvSpPr>
+          <p:cNvPr id="9" name="Text Placeholder 8">
+            <a:extLst>
+              <a:ext uri="{FF2B5EF4-FFF2-40B4-BE49-F238E27FC236}">
+                <a16:creationId xmlns:a16="http://schemas.microsoft.com/office/drawing/2014/main" id="{7990D871-96C4-432E-932F-CF45170C2E90}"/>
+              </a:ext>
+            </a:extLst>
+          </p:cNvPr>
+          <p:cNvSpPr>
+            <a:spLocks noGrp="1"/>
+          </p:cNvSpPr>
+          <p:nvPr>
+            <p:ph type="body" idx="1"/>
+          </p:nvPr>
+        </p:nvSpPr>
+        <p:spPr/>
+        <p:txBody>
+          <a:bodyPr/>
+          <a:lstStyle/>
+          <a:p>
+            <a:r>
+              <a:rPr lang="en-US" dirty="0"/>
+              <a:t>Installation and overview of RStudio</a:t>
+            </a:r>
+          </a:p>
+        </p:txBody>
+      </p:sp>
+    </p:spTree>
+    <p:extLst>
+      <p:ext uri="{BB962C8B-B14F-4D97-AF65-F5344CB8AC3E}">
+        <p14:creationId xmlns:p14="http://schemas.microsoft.com/office/powerpoint/2010/main" val="1458839028"/>
+      </p:ext>
+    </p:extLst>
+  </p:cSld>
+  <p:clrMapOvr>
+    <a:masterClrMapping/>
+  </p:clrMapOvr>
+</p:sld>
+</file>
+
+<file path=ppt/slides/slide4.xml><?xml version="1.0" encoding="utf-8"?>
+<p:sld xmlns:a="http://schemas.openxmlformats.org/drawingml/2006/main" xmlns:r="http://schemas.openxmlformats.org/officeDocument/2006/relationships" xmlns:p="http://schemas.openxmlformats.org/presentationml/2006/main">
+  <p:cSld>
+    <p:spTree>
+      <p:nvGrpSpPr>
+        <p:cNvPr id="1" name=""/>
+        <p:cNvGrpSpPr/>
+        <p:nvPr/>
+      </p:nvGrpSpPr>
+      <p:grpSpPr>
+        <a:xfrm>
+          <a:off x="0" y="0"/>
+          <a:ext cx="0" cy="0"/>
+          <a:chOff x="0" y="0"/>
+          <a:chExt cx="0" cy="0"/>
+        </a:xfrm>
+      </p:grpSpPr>
+      <p:sp>
+        <p:nvSpPr>
+          <p:cNvPr id="4" name="Title 3">
+            <a:extLst>
+              <a:ext uri="{FF2B5EF4-FFF2-40B4-BE49-F238E27FC236}">
+                <a16:creationId xmlns:a16="http://schemas.microsoft.com/office/drawing/2014/main" id="{DF20F71F-7311-4000-9A86-7AE079B38C91}"/>
+              </a:ext>
+            </a:extLst>
+          </p:cNvPr>
+          <p:cNvSpPr>
+            <a:spLocks noGrp="1"/>
+          </p:cNvSpPr>
+          <p:nvPr>
+            <p:ph type="title"/>
+          </p:nvPr>
+        </p:nvSpPr>
+        <p:spPr/>
+        <p:txBody>
+          <a:bodyPr/>
+          <a:lstStyle/>
+          <a:p>
+            <a:r>
+              <a:rPr lang="en-US" dirty="0"/>
+              <a:t>PART 2</a:t>
+            </a:r>
+          </a:p>
+        </p:txBody>
+      </p:sp>
+      <p:sp>
+        <p:nvSpPr>
+          <p:cNvPr id="5" name="Text Placeholder 4">
+            <a:extLst>
+              <a:ext uri="{FF2B5EF4-FFF2-40B4-BE49-F238E27FC236}">
+                <a16:creationId xmlns:a16="http://schemas.microsoft.com/office/drawing/2014/main" id="{B273C78C-99B2-4E2C-B4E0-56B64C9388C0}"/>
+              </a:ext>
+            </a:extLst>
+          </p:cNvPr>
+          <p:cNvSpPr>
+            <a:spLocks noGrp="1"/>
+          </p:cNvSpPr>
+          <p:nvPr>
+            <p:ph type="body" idx="1"/>
+          </p:nvPr>
+        </p:nvSpPr>
+        <p:spPr/>
+        <p:txBody>
+          <a:bodyPr/>
+          <a:lstStyle/>
+          <a:p>
+            <a:r>
+              <a:rPr lang="en-US" dirty="0"/>
+              <a:t>R project, packages, and markdown</a:t>
+            </a:r>
+          </a:p>
+        </p:txBody>
+      </p:sp>
+    </p:spTree>
+    <p:extLst>
+      <p:ext uri="{BB962C8B-B14F-4D97-AF65-F5344CB8AC3E}">
+        <p14:creationId xmlns:p14="http://schemas.microsoft.com/office/powerpoint/2010/main" val="3711967876"/>
+      </p:ext>
+    </p:extLst>
+  </p:cSld>
+  <p:clrMapOvr>
+    <a:masterClrMapping/>
+  </p:clrMapOvr>
+</p:sld>
+</file>
+
+<file path=ppt/slides/slide5.xml><?xml version="1.0" encoding="utf-8"?>
+<p:sld xmlns:a="http://schemas.openxmlformats.org/drawingml/2006/main" xmlns:r="http://schemas.openxmlformats.org/officeDocument/2006/relationships" xmlns:p="http://schemas.openxmlformats.org/presentationml/2006/main">
+  <p:cSld>
+    <p:spTree>
+      <p:nvGrpSpPr>
+        <p:cNvPr id="1" name=""/>
+        <p:cNvGrpSpPr/>
+        <p:nvPr/>
+      </p:nvGrpSpPr>
+      <p:grpSpPr>
+        <a:xfrm>
+          <a:off x="0" y="0"/>
+          <a:ext cx="0" cy="0"/>
+          <a:chOff x="0" y="0"/>
+          <a:chExt cx="0" cy="0"/>
+        </a:xfrm>
+      </p:grpSpPr>
+      <p:sp>
+        <p:nvSpPr>
+          <p:cNvPr id="4" name="Title 3">
+            <a:extLst>
+              <a:ext uri="{FF2B5EF4-FFF2-40B4-BE49-F238E27FC236}">
+                <a16:creationId xmlns:a16="http://schemas.microsoft.com/office/drawing/2014/main" id="{BF4F9520-3613-41B7-95C7-AC12C7C9D6DA}"/>
+              </a:ext>
+            </a:extLst>
+          </p:cNvPr>
+          <p:cNvSpPr>
+            <a:spLocks noGrp="1"/>
+          </p:cNvSpPr>
+          <p:nvPr>
+            <p:ph type="title"/>
+          </p:nvPr>
+        </p:nvSpPr>
+        <p:spPr/>
+        <p:txBody>
+          <a:bodyPr/>
+          <a:lstStyle/>
+          <a:p>
+            <a:r>
+              <a:rPr lang="en-US" dirty="0"/>
+              <a:t>PART 3</a:t>
+            </a:r>
+          </a:p>
+        </p:txBody>
+      </p:sp>
+      <p:sp>
+        <p:nvSpPr>
+          <p:cNvPr id="5" name="Text Placeholder 4">
+            <a:extLst>
+              <a:ext uri="{FF2B5EF4-FFF2-40B4-BE49-F238E27FC236}">
+                <a16:creationId xmlns:a16="http://schemas.microsoft.com/office/drawing/2014/main" id="{69B417E1-6D9A-4400-A3FE-31A6B30971AA}"/>
+              </a:ext>
+            </a:extLst>
+          </p:cNvPr>
+          <p:cNvSpPr>
+            <a:spLocks noGrp="1"/>
+          </p:cNvSpPr>
+          <p:nvPr>
+            <p:ph type="body" idx="1"/>
+          </p:nvPr>
+        </p:nvSpPr>
+        <p:spPr/>
+        <p:txBody>
+          <a:bodyPr/>
+          <a:lstStyle/>
+          <a:p>
+            <a:r>
+              <a:rPr lang="en-US" dirty="0"/>
+              <a:t>Descriptive Statistics</a:t>
+            </a:r>
+          </a:p>
+        </p:txBody>
+      </p:sp>
+    </p:spTree>
+    <p:extLst>
+      <p:ext uri="{BB962C8B-B14F-4D97-AF65-F5344CB8AC3E}">
+        <p14:creationId xmlns:p14="http://schemas.microsoft.com/office/powerpoint/2010/main" val="928170386"/>
+      </p:ext>
+    </p:extLst>
+  </p:cSld>
+  <p:clrMapOvr>
+    <a:masterClrMapping/>
+  </p:clrMapOvr>
+</p:sld>
+</file>
+
+<file path=ppt/slides/slide6.xml><?xml version="1.0" encoding="utf-8"?>
 <p:sld xmlns:a="http://schemas.openxmlformats.org/drawingml/2006/main" xmlns:r="http://schemas.openxmlformats.org/officeDocument/2006/relationships" xmlns:p="http://schemas.openxmlformats.org/presentationml/2006/main">
   <p:cSld>
     <p:spTree>

--- a/Introduction to R.pptx
+++ b/Introduction to R.pptx
@@ -5,18 +5,19 @@
     <p:sldMasterId id="2147483648" r:id="rId1"/>
   </p:sldMasterIdLst>
   <p:notesMasterIdLst>
-    <p:notesMasterId r:id="rId8"/>
+    <p:notesMasterId r:id="rId9"/>
   </p:notesMasterIdLst>
   <p:handoutMasterIdLst>
-    <p:handoutMasterId r:id="rId9"/>
+    <p:handoutMasterId r:id="rId10"/>
   </p:handoutMasterIdLst>
   <p:sldIdLst>
     <p:sldId id="256" r:id="rId2"/>
-    <p:sldId id="257" r:id="rId3"/>
-    <p:sldId id="263" r:id="rId4"/>
-    <p:sldId id="264" r:id="rId5"/>
-    <p:sldId id="265" r:id="rId6"/>
-    <p:sldId id="262" r:id="rId7"/>
+    <p:sldId id="266" r:id="rId3"/>
+    <p:sldId id="257" r:id="rId4"/>
+    <p:sldId id="263" r:id="rId5"/>
+    <p:sldId id="264" r:id="rId6"/>
+    <p:sldId id="265" r:id="rId7"/>
+    <p:sldId id="262" r:id="rId8"/>
   </p:sldIdLst>
   <p:sldSz cx="9144000" cy="6858000" type="screen4x3"/>
   <p:notesSz cx="6858000" cy="9144000"/>
@@ -688,7 +689,7 @@
           <a:p>
             <a:fld id="{3130526B-4D11-5B47-ABB8-EA6BDB0149E2}" type="slidenum">
               <a:rPr lang="en-US" smtClean="0"/>
-              <a:t>2</a:t>
+              <a:t>3</a:t>
             </a:fld>
             <a:endParaRPr lang="en-US"/>
           </a:p>
@@ -5570,7 +5571,7 @@
           <p:cNvPr id="2" name="Title 1">
             <a:extLst>
               <a:ext uri="{FF2B5EF4-FFF2-40B4-BE49-F238E27FC236}">
-                <a16:creationId xmlns:a16="http://schemas.microsoft.com/office/drawing/2014/main" id="{CB102FBD-FEF0-8843-A5E2-7798BF7FEC2A}"/>
+                <a16:creationId xmlns:a16="http://schemas.microsoft.com/office/drawing/2014/main" id="{B03DC1E5-E625-43DA-8240-891F6A3C1A38}"/>
               </a:ext>
             </a:extLst>
           </p:cNvPr>
@@ -5581,14 +5582,19 @@
             <p:ph type="title"/>
           </p:nvPr>
         </p:nvSpPr>
-        <p:spPr/>
+        <p:spPr>
+          <a:xfrm>
+            <a:off x="394852" y="365126"/>
+            <a:ext cx="8330183" cy="466281"/>
+          </a:xfrm>
+        </p:spPr>
         <p:txBody>
           <a:bodyPr/>
           <a:lstStyle/>
           <a:p>
             <a:r>
               <a:rPr lang="en-US" dirty="0"/>
-              <a:t>Outline</a:t>
+              <a:t>Visit our Github!</a:t>
             </a:r>
           </a:p>
         </p:txBody>
@@ -5598,7 +5604,7 @@
           <p:cNvPr id="3" name="Content Placeholder 2">
             <a:extLst>
               <a:ext uri="{FF2B5EF4-FFF2-40B4-BE49-F238E27FC236}">
-                <a16:creationId xmlns:a16="http://schemas.microsoft.com/office/drawing/2014/main" id="{12B465B3-AE67-8E41-988E-CCCF7D96C4D0}"/>
+                <a16:creationId xmlns:a16="http://schemas.microsoft.com/office/drawing/2014/main" id="{77D86A72-077B-477F-B572-EA1C0F821BA5}"/>
               </a:ext>
             </a:extLst>
           </p:cNvPr>
@@ -5611,125 +5617,34 @@
         </p:nvSpPr>
         <p:spPr>
           <a:xfrm>
-            <a:off x="574099" y="1359095"/>
+            <a:off x="574099" y="1825625"/>
             <a:ext cx="7995802" cy="4351338"/>
           </a:xfrm>
         </p:spPr>
         <p:txBody>
-          <a:bodyPr>
-            <a:normAutofit lnSpcReduction="10000"/>
-          </a:bodyPr>
+          <a:bodyPr/>
           <a:lstStyle/>
           <a:p>
-            <a:pPr marL="0" indent="0">
-              <a:buNone/>
-            </a:pPr>
             <a:r>
               <a:rPr lang="en-US" dirty="0"/>
-              <a:t>PART 1</a:t>
-            </a:r>
-          </a:p>
-          <a:p>
-            <a:r>
-              <a:rPr lang="en-US" dirty="0"/>
-              <a:t>Installing R, </a:t>
-            </a:r>
-            <a:r>
-              <a:rPr lang="en-US" dirty="0" err="1"/>
-              <a:t>Rstudio</a:t>
-            </a:r>
-            <a:r>
-              <a:rPr lang="en-US" dirty="0"/>
-              <a:t>, </a:t>
-            </a:r>
-            <a:r>
-              <a:rPr lang="en-US" dirty="0" err="1"/>
-              <a:t>Mplus</a:t>
-            </a:r>
+              <a:t>Please visit our GitHub to access all the materials you need for our tutorials:	</a:t>
+            </a:r>
+          </a:p>
+          <a:p>
+            <a:pPr lvl="1"/>
             <a:endParaRPr lang="en-US" dirty="0"/>
           </a:p>
           <a:p>
-            <a:r>
-              <a:rPr lang="en-US" dirty="0"/>
-              <a:t>Overview of </a:t>
-            </a:r>
-            <a:r>
-              <a:rPr lang="en-US" dirty="0" err="1"/>
-              <a:t>Rstudio’s</a:t>
-            </a:r>
-            <a:r>
-              <a:rPr lang="en-US" dirty="0"/>
-              <a:t> Interface</a:t>
-            </a:r>
-          </a:p>
-          <a:p>
-            <a:endParaRPr lang="en-US" dirty="0"/>
-          </a:p>
-          <a:p>
-            <a:pPr marL="0" indent="0">
-              <a:buNone/>
-            </a:pPr>
-            <a:r>
-              <a:rPr lang="en-US" dirty="0"/>
-              <a:t>PART 2</a:t>
-            </a:r>
-          </a:p>
-          <a:p>
-            <a:r>
-              <a:rPr lang="en-US" dirty="0"/>
-              <a:t>Creating R Project (.</a:t>
-            </a:r>
-            <a:r>
-              <a:rPr lang="en-US" dirty="0" err="1"/>
-              <a:t>rproj</a:t>
-            </a:r>
-            <a:r>
-              <a:rPr lang="en-US" dirty="0"/>
-              <a:t>) and R Markdown (.</a:t>
-            </a:r>
-            <a:r>
-              <a:rPr lang="en-US" dirty="0" err="1"/>
-              <a:t>rmd</a:t>
-            </a:r>
-            <a:r>
-              <a:rPr lang="en-US" dirty="0"/>
-              <a:t>)</a:t>
-            </a:r>
-          </a:p>
-          <a:p>
-            <a:r>
-              <a:rPr lang="en-US" dirty="0"/>
-              <a:t>R packages</a:t>
-            </a:r>
-          </a:p>
-          <a:p>
-            <a:endParaRPr lang="en-US" dirty="0"/>
-          </a:p>
-          <a:p>
-            <a:pPr marL="0" indent="0">
-              <a:buNone/>
-            </a:pPr>
-            <a:r>
-              <a:rPr lang="en-US" dirty="0"/>
-              <a:t>PART 3</a:t>
-            </a:r>
-          </a:p>
-          <a:p>
-            <a:r>
-              <a:rPr lang="en-US" dirty="0"/>
-              <a:t>Reading in data from a dataset</a:t>
-            </a:r>
-          </a:p>
-          <a:p>
-            <a:r>
-              <a:rPr lang="en-US" dirty="0"/>
-              <a:t>Some data screening and cleaning</a:t>
-            </a:r>
-          </a:p>
-          <a:p>
-            <a:r>
-              <a:rPr lang="en-US" dirty="0"/>
-              <a:t>Descriptive statistics </a:t>
+            <a:pPr lvl="1"/>
+            <a:r>
+              <a:rPr lang="en-US" sz="2000" dirty="0">
+                <a:hlinkClick r:id="rId2"/>
+              </a:rPr>
+              <a:t>https://github.com/immerse-ucsb</a:t>
+            </a:r>
+            <a:r>
+              <a:rPr lang="en-US" sz="2000" dirty="0"/>
+              <a:t> </a:t>
             </a:r>
           </a:p>
         </p:txBody>
@@ -5737,7 +5652,7 @@
     </p:spTree>
     <p:extLst>
       <p:ext uri="{BB962C8B-B14F-4D97-AF65-F5344CB8AC3E}">
-        <p14:creationId xmlns:p14="http://schemas.microsoft.com/office/powerpoint/2010/main" val="3130274710"/>
+        <p14:creationId xmlns:p14="http://schemas.microsoft.com/office/powerpoint/2010/main" val="1393519888"/>
       </p:ext>
     </p:extLst>
   </p:cSld>
@@ -5766,10 +5681,10 @@
       </p:grpSpPr>
       <p:sp>
         <p:nvSpPr>
-          <p:cNvPr id="8" name="Title 7">
-            <a:extLst>
-              <a:ext uri="{FF2B5EF4-FFF2-40B4-BE49-F238E27FC236}">
-                <a16:creationId xmlns:a16="http://schemas.microsoft.com/office/drawing/2014/main" id="{C11019C7-80C5-49B0-B0B5-DB0DDFB82C3F}"/>
+          <p:cNvPr id="2" name="Title 1">
+            <a:extLst>
+              <a:ext uri="{FF2B5EF4-FFF2-40B4-BE49-F238E27FC236}">
+                <a16:creationId xmlns:a16="http://schemas.microsoft.com/office/drawing/2014/main" id="{CB102FBD-FEF0-8843-A5E2-7798BF7FEC2A}"/>
               </a:ext>
             </a:extLst>
           </p:cNvPr>
@@ -5787,35 +5702,148 @@
           <a:p>
             <a:r>
               <a:rPr lang="en-US" dirty="0"/>
+              <a:t>Outline</a:t>
+            </a:r>
+          </a:p>
+        </p:txBody>
+      </p:sp>
+      <p:sp>
+        <p:nvSpPr>
+          <p:cNvPr id="3" name="Content Placeholder 2">
+            <a:extLst>
+              <a:ext uri="{FF2B5EF4-FFF2-40B4-BE49-F238E27FC236}">
+                <a16:creationId xmlns:a16="http://schemas.microsoft.com/office/drawing/2014/main" id="{12B465B3-AE67-8E41-988E-CCCF7D96C4D0}"/>
+              </a:ext>
+            </a:extLst>
+          </p:cNvPr>
+          <p:cNvSpPr>
+            <a:spLocks noGrp="1"/>
+          </p:cNvSpPr>
+          <p:nvPr>
+            <p:ph idx="1"/>
+          </p:nvPr>
+        </p:nvSpPr>
+        <p:spPr>
+          <a:xfrm>
+            <a:off x="574099" y="1359095"/>
+            <a:ext cx="7995802" cy="4351338"/>
+          </a:xfrm>
+        </p:spPr>
+        <p:txBody>
+          <a:bodyPr>
+            <a:normAutofit lnSpcReduction="10000"/>
+          </a:bodyPr>
+          <a:lstStyle/>
+          <a:p>
+            <a:pPr marL="0" indent="0">
+              <a:buNone/>
+            </a:pPr>
+            <a:r>
+              <a:rPr lang="en-US" dirty="0"/>
               <a:t>PART 1</a:t>
             </a:r>
           </a:p>
-        </p:txBody>
-      </p:sp>
-      <p:sp>
-        <p:nvSpPr>
-          <p:cNvPr id="9" name="Text Placeholder 8">
-            <a:extLst>
-              <a:ext uri="{FF2B5EF4-FFF2-40B4-BE49-F238E27FC236}">
-                <a16:creationId xmlns:a16="http://schemas.microsoft.com/office/drawing/2014/main" id="{7990D871-96C4-432E-932F-CF45170C2E90}"/>
-              </a:ext>
-            </a:extLst>
-          </p:cNvPr>
-          <p:cNvSpPr>
-            <a:spLocks noGrp="1"/>
-          </p:cNvSpPr>
-          <p:nvPr>
-            <p:ph type="body" idx="1"/>
-          </p:nvPr>
-        </p:nvSpPr>
-        <p:spPr/>
-        <p:txBody>
-          <a:bodyPr/>
-          <a:lstStyle/>
           <a:p>
             <a:r>
               <a:rPr lang="en-US" dirty="0"/>
-              <a:t>Installation and overview of RStudio</a:t>
+              <a:t>Installing R, </a:t>
+            </a:r>
+            <a:r>
+              <a:rPr lang="en-US" dirty="0" err="1"/>
+              <a:t>Rstudio</a:t>
+            </a:r>
+            <a:r>
+              <a:rPr lang="en-US" dirty="0"/>
+              <a:t>, </a:t>
+            </a:r>
+            <a:r>
+              <a:rPr lang="en-US" dirty="0" err="1"/>
+              <a:t>Mplus</a:t>
+            </a:r>
+            <a:endParaRPr lang="en-US" dirty="0"/>
+          </a:p>
+          <a:p>
+            <a:r>
+              <a:rPr lang="en-US" dirty="0"/>
+              <a:t>Overview of </a:t>
+            </a:r>
+            <a:r>
+              <a:rPr lang="en-US" dirty="0" err="1"/>
+              <a:t>Rstudio’s</a:t>
+            </a:r>
+            <a:r>
+              <a:rPr lang="en-US" dirty="0"/>
+              <a:t> Interface</a:t>
+            </a:r>
+          </a:p>
+          <a:p>
+            <a:endParaRPr lang="en-US" dirty="0"/>
+          </a:p>
+          <a:p>
+            <a:pPr marL="0" indent="0">
+              <a:buNone/>
+            </a:pPr>
+            <a:r>
+              <a:rPr lang="en-US" dirty="0"/>
+              <a:t>PART 2</a:t>
+            </a:r>
+          </a:p>
+          <a:p>
+            <a:r>
+              <a:rPr lang="en-US" dirty="0"/>
+              <a:t>Creating R Project (.</a:t>
+            </a:r>
+            <a:r>
+              <a:rPr lang="en-US" dirty="0" err="1"/>
+              <a:t>rproj</a:t>
+            </a:r>
+            <a:r>
+              <a:rPr lang="en-US" dirty="0"/>
+              <a:t>) and R Markdown (.</a:t>
+            </a:r>
+            <a:r>
+              <a:rPr lang="en-US" dirty="0" err="1"/>
+              <a:t>rmd</a:t>
+            </a:r>
+            <a:r>
+              <a:rPr lang="en-US" dirty="0"/>
+              <a:t>)</a:t>
+            </a:r>
+          </a:p>
+          <a:p>
+            <a:r>
+              <a:rPr lang="en-US" dirty="0"/>
+              <a:t>R packages</a:t>
+            </a:r>
+          </a:p>
+          <a:p>
+            <a:endParaRPr lang="en-US" dirty="0"/>
+          </a:p>
+          <a:p>
+            <a:pPr marL="0" indent="0">
+              <a:buNone/>
+            </a:pPr>
+            <a:r>
+              <a:rPr lang="en-US" dirty="0"/>
+              <a:t>PART 3</a:t>
+            </a:r>
+          </a:p>
+          <a:p>
+            <a:r>
+              <a:rPr lang="en-US" dirty="0"/>
+              <a:t>Reading in data from a dataset</a:t>
+            </a:r>
+          </a:p>
+          <a:p>
+            <a:r>
+              <a:rPr lang="en-US" dirty="0"/>
+              <a:t>Some data screening and cleaning</a:t>
+            </a:r>
+          </a:p>
+          <a:p>
+            <a:r>
+              <a:rPr lang="en-US" dirty="0"/>
+              <a:t>Descriptive statistics </a:t>
             </a:r>
           </a:p>
         </p:txBody>
@@ -5823,7 +5851,7 @@
     </p:spTree>
     <p:extLst>
       <p:ext uri="{BB962C8B-B14F-4D97-AF65-F5344CB8AC3E}">
-        <p14:creationId xmlns:p14="http://schemas.microsoft.com/office/powerpoint/2010/main" val="1458839028"/>
+        <p14:creationId xmlns:p14="http://schemas.microsoft.com/office/powerpoint/2010/main" val="3130274710"/>
       </p:ext>
     </p:extLst>
   </p:cSld>
@@ -5852,10 +5880,10 @@
       </p:grpSpPr>
       <p:sp>
         <p:nvSpPr>
-          <p:cNvPr id="4" name="Title 3">
-            <a:extLst>
-              <a:ext uri="{FF2B5EF4-FFF2-40B4-BE49-F238E27FC236}">
-                <a16:creationId xmlns:a16="http://schemas.microsoft.com/office/drawing/2014/main" id="{DF20F71F-7311-4000-9A86-7AE079B38C91}"/>
+          <p:cNvPr id="8" name="Title 7">
+            <a:extLst>
+              <a:ext uri="{FF2B5EF4-FFF2-40B4-BE49-F238E27FC236}">
+                <a16:creationId xmlns:a16="http://schemas.microsoft.com/office/drawing/2014/main" id="{C11019C7-80C5-49B0-B0B5-DB0DDFB82C3F}"/>
               </a:ext>
             </a:extLst>
           </p:cNvPr>
@@ -5873,17 +5901,17 @@
           <a:p>
             <a:r>
               <a:rPr lang="en-US" dirty="0"/>
-              <a:t>PART 2</a:t>
-            </a:r>
-          </a:p>
-        </p:txBody>
-      </p:sp>
-      <p:sp>
-        <p:nvSpPr>
-          <p:cNvPr id="5" name="Text Placeholder 4">
-            <a:extLst>
-              <a:ext uri="{FF2B5EF4-FFF2-40B4-BE49-F238E27FC236}">
-                <a16:creationId xmlns:a16="http://schemas.microsoft.com/office/drawing/2014/main" id="{B273C78C-99B2-4E2C-B4E0-56B64C9388C0}"/>
+              <a:t>PART 1</a:t>
+            </a:r>
+          </a:p>
+        </p:txBody>
+      </p:sp>
+      <p:sp>
+        <p:nvSpPr>
+          <p:cNvPr id="9" name="Text Placeholder 8">
+            <a:extLst>
+              <a:ext uri="{FF2B5EF4-FFF2-40B4-BE49-F238E27FC236}">
+                <a16:creationId xmlns:a16="http://schemas.microsoft.com/office/drawing/2014/main" id="{7990D871-96C4-432E-932F-CF45170C2E90}"/>
               </a:ext>
             </a:extLst>
           </p:cNvPr>
@@ -5901,7 +5929,7 @@
           <a:p>
             <a:r>
               <a:rPr lang="en-US" dirty="0"/>
-              <a:t>R project, packages, and markdown</a:t>
+              <a:t>Installation and overview of RStudio</a:t>
             </a:r>
           </a:p>
         </p:txBody>
@@ -5909,7 +5937,7 @@
     </p:spTree>
     <p:extLst>
       <p:ext uri="{BB962C8B-B14F-4D97-AF65-F5344CB8AC3E}">
-        <p14:creationId xmlns:p14="http://schemas.microsoft.com/office/powerpoint/2010/main" val="3711967876"/>
+        <p14:creationId xmlns:p14="http://schemas.microsoft.com/office/powerpoint/2010/main" val="1458839028"/>
       </p:ext>
     </p:extLst>
   </p:cSld>
@@ -5941,6 +5969,92 @@
           <p:cNvPr id="4" name="Title 3">
             <a:extLst>
               <a:ext uri="{FF2B5EF4-FFF2-40B4-BE49-F238E27FC236}">
+                <a16:creationId xmlns:a16="http://schemas.microsoft.com/office/drawing/2014/main" id="{DF20F71F-7311-4000-9A86-7AE079B38C91}"/>
+              </a:ext>
+            </a:extLst>
+          </p:cNvPr>
+          <p:cNvSpPr>
+            <a:spLocks noGrp="1"/>
+          </p:cNvSpPr>
+          <p:nvPr>
+            <p:ph type="title"/>
+          </p:nvPr>
+        </p:nvSpPr>
+        <p:spPr/>
+        <p:txBody>
+          <a:bodyPr/>
+          <a:lstStyle/>
+          <a:p>
+            <a:r>
+              <a:rPr lang="en-US" dirty="0"/>
+              <a:t>PART 2</a:t>
+            </a:r>
+          </a:p>
+        </p:txBody>
+      </p:sp>
+      <p:sp>
+        <p:nvSpPr>
+          <p:cNvPr id="5" name="Text Placeholder 4">
+            <a:extLst>
+              <a:ext uri="{FF2B5EF4-FFF2-40B4-BE49-F238E27FC236}">
+                <a16:creationId xmlns:a16="http://schemas.microsoft.com/office/drawing/2014/main" id="{B273C78C-99B2-4E2C-B4E0-56B64C9388C0}"/>
+              </a:ext>
+            </a:extLst>
+          </p:cNvPr>
+          <p:cNvSpPr>
+            <a:spLocks noGrp="1"/>
+          </p:cNvSpPr>
+          <p:nvPr>
+            <p:ph type="body" idx="1"/>
+          </p:nvPr>
+        </p:nvSpPr>
+        <p:spPr/>
+        <p:txBody>
+          <a:bodyPr/>
+          <a:lstStyle/>
+          <a:p>
+            <a:r>
+              <a:rPr lang="en-US" dirty="0"/>
+              <a:t>R project, packages, and markdown</a:t>
+            </a:r>
+          </a:p>
+        </p:txBody>
+      </p:sp>
+    </p:spTree>
+    <p:extLst>
+      <p:ext uri="{BB962C8B-B14F-4D97-AF65-F5344CB8AC3E}">
+        <p14:creationId xmlns:p14="http://schemas.microsoft.com/office/powerpoint/2010/main" val="3711967876"/>
+      </p:ext>
+    </p:extLst>
+  </p:cSld>
+  <p:clrMapOvr>
+    <a:masterClrMapping/>
+  </p:clrMapOvr>
+</p:sld>
+</file>
+
+<file path=ppt/slides/slide6.xml><?xml version="1.0" encoding="utf-8"?>
+<p:sld xmlns:a="http://schemas.openxmlformats.org/drawingml/2006/main" xmlns:r="http://schemas.openxmlformats.org/officeDocument/2006/relationships" xmlns:p="http://schemas.openxmlformats.org/presentationml/2006/main">
+  <p:cSld>
+    <p:spTree>
+      <p:nvGrpSpPr>
+        <p:cNvPr id="1" name=""/>
+        <p:cNvGrpSpPr/>
+        <p:nvPr/>
+      </p:nvGrpSpPr>
+      <p:grpSpPr>
+        <a:xfrm>
+          <a:off x="0" y="0"/>
+          <a:ext cx="0" cy="0"/>
+          <a:chOff x="0" y="0"/>
+          <a:chExt cx="0" cy="0"/>
+        </a:xfrm>
+      </p:grpSpPr>
+      <p:sp>
+        <p:nvSpPr>
+          <p:cNvPr id="4" name="Title 3">
+            <a:extLst>
+              <a:ext uri="{FF2B5EF4-FFF2-40B4-BE49-F238E27FC236}">
                 <a16:creationId xmlns:a16="http://schemas.microsoft.com/office/drawing/2014/main" id="{BF4F9520-3613-41B7-95C7-AC12C7C9D6DA}"/>
               </a:ext>
             </a:extLst>
@@ -6005,7 +6119,7 @@
 </p:sld>
 </file>
 
-<file path=ppt/slides/slide6.xml><?xml version="1.0" encoding="utf-8"?>
+<file path=ppt/slides/slide7.xml><?xml version="1.0" encoding="utf-8"?>
 <p:sld xmlns:a="http://schemas.openxmlformats.org/drawingml/2006/main" xmlns:r="http://schemas.openxmlformats.org/officeDocument/2006/relationships" xmlns:p="http://schemas.openxmlformats.org/presentationml/2006/main">
   <p:cSld>
     <p:spTree>

--- a/Introduction to R.pptx
+++ b/Introduction to R.pptx
@@ -357,7 +357,7 @@
           <a:p>
             <a:fld id="{3B1994AF-D40F-C049-8F53-8999E12B5AB7}" type="datetimeFigureOut">
               <a:rPr lang="en-US" smtClean="0"/>
-              <a:t>12/16/2022</a:t>
+              <a:t>2/13/2023</a:t>
             </a:fld>
             <a:endParaRPr lang="en-US"/>
           </a:p>
@@ -5445,7 +5445,7 @@
           <a:p>
             <a:r>
               <a:rPr lang="en-US" dirty="0"/>
-              <a:t>Created by: Dina Arch</a:t>
+              <a:t>Dina Arch</a:t>
             </a:r>
           </a:p>
         </p:txBody>
@@ -5754,13 +5754,23 @@
             </a:r>
             <a:r>
               <a:rPr lang="en-US" dirty="0"/>
-              <a:t>, </a:t>
-            </a:r>
-            <a:r>
-              <a:rPr lang="en-US" dirty="0" err="1"/>
-              <a:t>Mplus</a:t>
-            </a:r>
+              <a:t>, Mplus</a:t>
+            </a:r>
+          </a:p>
+          <a:p>
+            <a:pPr marL="0" indent="0">
+              <a:buNone/>
+            </a:pPr>
             <a:endParaRPr lang="en-US" dirty="0"/>
+          </a:p>
+          <a:p>
+            <a:pPr marL="0" indent="0">
+              <a:buNone/>
+            </a:pPr>
+            <a:r>
+              <a:rPr lang="en-US" dirty="0"/>
+              <a:t>PART 2</a:t>
+            </a:r>
           </a:p>
           <a:p>
             <a:r>
@@ -5774,18 +5784,6 @@
             <a:r>
               <a:rPr lang="en-US" dirty="0"/>
               <a:t> Interface</a:t>
-            </a:r>
-          </a:p>
-          <a:p>
-            <a:endParaRPr lang="en-US" dirty="0"/>
-          </a:p>
-          <a:p>
-            <a:pPr marL="0" indent="0">
-              <a:buNone/>
-            </a:pPr>
-            <a:r>
-              <a:rPr lang="en-US" dirty="0"/>
-              <a:t>PART 2</a:t>
             </a:r>
           </a:p>
           <a:p>

--- a/Introduction to R.pptx
+++ b/Introduction to R.pptx
@@ -5446,34 +5446,6 @@
             <a:r>
               <a:rPr lang="en-US" dirty="0"/>
               <a:t>Dina Arch</a:t>
-            </a:r>
-          </a:p>
-        </p:txBody>
-      </p:sp>
-      <p:sp>
-        <p:nvSpPr>
-          <p:cNvPr id="4" name="Text Placeholder 3">
-            <a:extLst>
-              <a:ext uri="{FF2B5EF4-FFF2-40B4-BE49-F238E27FC236}">
-                <a16:creationId xmlns:a16="http://schemas.microsoft.com/office/drawing/2014/main" id="{8AF99438-C78E-BA44-9DDC-6BF05FED57F1}"/>
-              </a:ext>
-            </a:extLst>
-          </p:cNvPr>
-          <p:cNvSpPr>
-            <a:spLocks noGrp="1"/>
-          </p:cNvSpPr>
-          <p:nvPr>
-            <p:ph type="body" sz="quarter" idx="10"/>
-          </p:nvPr>
-        </p:nvSpPr>
-        <p:spPr/>
-        <p:txBody>
-          <a:bodyPr/>
-          <a:lstStyle/>
-          <a:p>
-            <a:r>
-              <a:rPr lang="en-US" dirty="0"/>
-              <a:t>11/14/2022</a:t>
             </a:r>
           </a:p>
         </p:txBody>
